--- a/PPTs/Midterm Exam ANS.pptx
+++ b/PPTs/Midterm Exam ANS.pptx
@@ -215,14 +215,14 @@
           <a:effectLst/>
           <a:extLst>
             <a:ext uri="{909E8E84-426E-40dd-AFC4-6F175D3DCCD1}">
-              <a14:hiddenFill xmlns="" xmlns:a14="http://schemas.microsoft.com/office/drawing/2010/main">
+              <a14:hiddenFill xmlns:a14="http://schemas.microsoft.com/office/drawing/2010/main" xmlns="">
                 <a:solidFill>
                   <a:schemeClr val="bg1"/>
                 </a:solidFill>
               </a14:hiddenFill>
             </a:ext>
             <a:ext uri="{91240B29-F687-4f45-9708-019B960494DF}">
-              <a14:hiddenLine xmlns="" xmlns:a14="http://schemas.microsoft.com/office/drawing/2010/main" w="12700">
+              <a14:hiddenLine xmlns:a14="http://schemas.microsoft.com/office/drawing/2010/main" xmlns="" w="12700">
                 <a:pattFill prst="narHorz">
                   <a:fgClr>
                     <a:schemeClr val="tx1"/>
@@ -237,7 +237,7 @@
               </a14:hiddenLine>
             </a:ext>
             <a:ext uri="{AF507438-7753-43e0-B8FC-AC1667EBCBE1}">
-              <a14:hiddenEffects xmlns="" xmlns:a14="http://schemas.microsoft.com/office/drawing/2010/main">
+              <a14:hiddenEffects xmlns:a14="http://schemas.microsoft.com/office/drawing/2010/main" xmlns="">
                 <a:effectLst>
                   <a:outerShdw dist="35921" dir="2700000" algn="ctr" rotWithShape="0">
                     <a:schemeClr val="bg2"/>
@@ -343,14 +343,14 @@
           <a:effectLst/>
           <a:extLst>
             <a:ext uri="{909E8E84-426E-40dd-AFC4-6F175D3DCCD1}">
-              <a14:hiddenFill xmlns="" xmlns:a14="http://schemas.microsoft.com/office/drawing/2010/main">
+              <a14:hiddenFill xmlns:a14="http://schemas.microsoft.com/office/drawing/2010/main" xmlns="">
                 <a:solidFill>
                   <a:schemeClr val="bg1"/>
                 </a:solidFill>
               </a14:hiddenFill>
             </a:ext>
             <a:ext uri="{91240B29-F687-4f45-9708-019B960494DF}">
-              <a14:hiddenLine xmlns="" xmlns:a14="http://schemas.microsoft.com/office/drawing/2010/main" w="12700">
+              <a14:hiddenLine xmlns:a14="http://schemas.microsoft.com/office/drawing/2010/main" xmlns="" w="12700">
                 <a:pattFill prst="narHorz">
                   <a:fgClr>
                     <a:schemeClr val="tx1"/>
@@ -365,7 +365,7 @@
               </a14:hiddenLine>
             </a:ext>
             <a:ext uri="{AF507438-7753-43e0-B8FC-AC1667EBCBE1}">
-              <a14:hiddenEffects xmlns="" xmlns:a14="http://schemas.microsoft.com/office/drawing/2010/main">
+              <a14:hiddenEffects xmlns:a14="http://schemas.microsoft.com/office/drawing/2010/main" xmlns="">
                 <a:effectLst>
                   <a:outerShdw dist="35921" dir="2700000" algn="ctr" rotWithShape="0">
                     <a:schemeClr val="bg2"/>
@@ -433,17 +433,17 @@
           <a:effectLst/>
           <a:extLst>
             <a:ext uri="{FAA26D3D-D897-4be2-8F04-BA451C77F1D7}">
-              <ma14:placeholderFlag xmlns="" xmlns:ma14="http://schemas.microsoft.com/office/mac/drawingml/2011/main" val="1"/>
+              <ma14:placeholderFlag xmlns:ma14="http://schemas.microsoft.com/office/mac/drawingml/2011/main" xmlns="" val="1"/>
             </a:ext>
             <a:ext uri="{909E8E84-426E-40dd-AFC4-6F175D3DCCD1}">
-              <a14:hiddenFill xmlns="" xmlns:a14="http://schemas.microsoft.com/office/drawing/2010/main">
+              <a14:hiddenFill xmlns:a14="http://schemas.microsoft.com/office/drawing/2010/main" xmlns="">
                 <a:solidFill>
                   <a:srgbClr val="FFFFFF"/>
                 </a:solidFill>
               </a14:hiddenFill>
             </a:ext>
             <a:ext uri="{AF507438-7753-43e0-B8FC-AC1667EBCBE1}">
-              <a14:hiddenEffects xmlns="" xmlns:a14="http://schemas.microsoft.com/office/drawing/2010/main">
+              <a14:hiddenEffects xmlns:a14="http://schemas.microsoft.com/office/drawing/2010/main" xmlns="">
                 <a:effectLst>
                   <a:outerShdw blurRad="63500" dist="38099" dir="2700000" algn="ctr" rotWithShape="0">
                     <a:srgbClr val="000000">
@@ -454,7 +454,7 @@
               </a14:hiddenEffects>
             </a:ext>
             <a:ext uri="{53640926-AAD7-44d8-BBD7-CCE9431645EC}">
-              <a14:shadowObscured xmlns="" xmlns:a14="http://schemas.microsoft.com/office/drawing/2010/main" val="1"/>
+              <a14:shadowObscured xmlns:a14="http://schemas.microsoft.com/office/drawing/2010/main" xmlns="" val="1"/>
             </a:ext>
           </a:extLst>
         </p:spPr>
@@ -484,14 +484,14 @@
           <a:effectLst/>
           <a:extLst>
             <a:ext uri="{909E8E84-426E-40dd-AFC4-6F175D3DCCD1}">
-              <a14:hiddenFill xmlns="" xmlns:a14="http://schemas.microsoft.com/office/drawing/2010/main">
+              <a14:hiddenFill xmlns:a14="http://schemas.microsoft.com/office/drawing/2010/main" xmlns="">
                 <a:solidFill>
                   <a:schemeClr val="bg1"/>
                 </a:solidFill>
               </a14:hiddenFill>
             </a:ext>
             <a:ext uri="{91240B29-F687-4f45-9708-019B960494DF}">
-              <a14:hiddenLine xmlns="" xmlns:a14="http://schemas.microsoft.com/office/drawing/2010/main" w="12700">
+              <a14:hiddenLine xmlns:a14="http://schemas.microsoft.com/office/drawing/2010/main" xmlns="" w="12700">
                 <a:pattFill prst="narHorz">
                   <a:fgClr>
                     <a:schemeClr val="tx1"/>
@@ -506,7 +506,7 @@
               </a14:hiddenLine>
             </a:ext>
             <a:ext uri="{AF507438-7753-43e0-B8FC-AC1667EBCBE1}">
-              <a14:hiddenEffects xmlns="" xmlns:a14="http://schemas.microsoft.com/office/drawing/2010/main">
+              <a14:hiddenEffects xmlns:a14="http://schemas.microsoft.com/office/drawing/2010/main" xmlns="">
                 <a:effectLst>
                   <a:outerShdw dist="35921" dir="2700000" algn="ctr" rotWithShape="0">
                     <a:schemeClr val="bg2"/>
@@ -756,10 +756,10 @@
         <p:spPr>
           <a:extLst>
             <a:ext uri="{FAA26D3D-D897-4be2-8F04-BA451C77F1D7}">
-              <ma14:placeholderFlag xmlns="" xmlns:ma14="http://schemas.microsoft.com/office/mac/drawingml/2011/main" val="1"/>
+              <ma14:placeholderFlag xmlns:ma14="http://schemas.microsoft.com/office/mac/drawingml/2011/main" xmlns="" val="1"/>
             </a:ext>
             <a:ext uri="{AF507438-7753-43e0-B8FC-AC1667EBCBE1}">
-              <a14:hiddenEffects xmlns="" xmlns:a14="http://schemas.microsoft.com/office/drawing/2010/main">
+              <a14:hiddenEffects xmlns:a14="http://schemas.microsoft.com/office/drawing/2010/main" xmlns="">
                 <a:effectLst>
                   <a:outerShdw blurRad="63500" dist="38099" dir="2700000" algn="ctr" rotWithShape="0">
                     <a:schemeClr val="bg2">
@@ -2968,17 +2968,17 @@
           <a:effectLst/>
           <a:extLst>
             <a:ext uri="{FAA26D3D-D897-4be2-8F04-BA451C77F1D7}">
-              <ma14:placeholderFlag xmlns="" xmlns:ma14="http://schemas.microsoft.com/office/mac/drawingml/2011/main" val="1"/>
+              <ma14:placeholderFlag xmlns:ma14="http://schemas.microsoft.com/office/mac/drawingml/2011/main" xmlns="" val="1"/>
             </a:ext>
             <a:ext uri="{909E8E84-426E-40dd-AFC4-6F175D3DCCD1}">
-              <a14:hiddenFill xmlns="" xmlns:a14="http://schemas.microsoft.com/office/drawing/2010/main">
+              <a14:hiddenFill xmlns:a14="http://schemas.microsoft.com/office/drawing/2010/main" xmlns="">
                 <a:solidFill>
                   <a:schemeClr val="bg1"/>
                 </a:solidFill>
               </a14:hiddenFill>
             </a:ext>
             <a:ext uri="{91240B29-F687-4f45-9708-019B960494DF}">
-              <a14:hiddenLine xmlns="" xmlns:a14="http://schemas.microsoft.com/office/drawing/2010/main" w="12700">
+              <a14:hiddenLine xmlns:a14="http://schemas.microsoft.com/office/drawing/2010/main" xmlns="" w="12700">
                 <a:pattFill prst="narHorz">
                   <a:fgClr>
                     <a:schemeClr val="tx1"/>
@@ -2993,7 +2993,7 @@
               </a14:hiddenLine>
             </a:ext>
             <a:ext uri="{AF507438-7753-43e0-B8FC-AC1667EBCBE1}">
-              <a14:hiddenEffects xmlns="" xmlns:a14="http://schemas.microsoft.com/office/drawing/2010/main">
+              <a14:hiddenEffects xmlns:a14="http://schemas.microsoft.com/office/drawing/2010/main" xmlns="">
                 <a:effectLst>
                   <a:outerShdw blurRad="63500" dist="38099" dir="2700000" algn="ctr" rotWithShape="0">
                     <a:schemeClr val="bg2">
@@ -3046,17 +3046,17 @@
           <a:effectLst/>
           <a:extLst>
             <a:ext uri="{FAA26D3D-D897-4be2-8F04-BA451C77F1D7}">
-              <ma14:placeholderFlag xmlns="" xmlns:ma14="http://schemas.microsoft.com/office/mac/drawingml/2011/main" val="1"/>
+              <ma14:placeholderFlag xmlns:ma14="http://schemas.microsoft.com/office/mac/drawingml/2011/main" xmlns="" val="1"/>
             </a:ext>
             <a:ext uri="{909E8E84-426E-40dd-AFC4-6F175D3DCCD1}">
-              <a14:hiddenFill xmlns="" xmlns:a14="http://schemas.microsoft.com/office/drawing/2010/main">
+              <a14:hiddenFill xmlns:a14="http://schemas.microsoft.com/office/drawing/2010/main" xmlns="">
                 <a:solidFill>
                   <a:schemeClr val="bg1"/>
                 </a:solidFill>
               </a14:hiddenFill>
             </a:ext>
             <a:ext uri="{91240B29-F687-4f45-9708-019B960494DF}">
-              <a14:hiddenLine xmlns="" xmlns:a14="http://schemas.microsoft.com/office/drawing/2010/main" w="12700">
+              <a14:hiddenLine xmlns:a14="http://schemas.microsoft.com/office/drawing/2010/main" xmlns="" w="12700">
                 <a:pattFill prst="narHorz">
                   <a:fgClr>
                     <a:schemeClr val="tx1"/>
@@ -3071,7 +3071,7 @@
               </a14:hiddenLine>
             </a:ext>
             <a:ext uri="{AF507438-7753-43e0-B8FC-AC1667EBCBE1}">
-              <a14:hiddenEffects xmlns="" xmlns:a14="http://schemas.microsoft.com/office/drawing/2010/main">
+              <a14:hiddenEffects xmlns:a14="http://schemas.microsoft.com/office/drawing/2010/main" xmlns="">
                 <a:effectLst>
                   <a:outerShdw blurRad="63500" dist="38099" dir="2700000" algn="ctr" rotWithShape="0">
                     <a:schemeClr val="bg2">
@@ -3150,14 +3150,14 @@
           <a:effectLst/>
           <a:extLst>
             <a:ext uri="{909E8E84-426E-40dd-AFC4-6F175D3DCCD1}">
-              <a14:hiddenFill xmlns="" xmlns:a14="http://schemas.microsoft.com/office/drawing/2010/main">
+              <a14:hiddenFill xmlns:a14="http://schemas.microsoft.com/office/drawing/2010/main" xmlns="">
                 <a:solidFill>
                   <a:schemeClr val="bg1"/>
                 </a:solidFill>
               </a14:hiddenFill>
             </a:ext>
             <a:ext uri="{91240B29-F687-4f45-9708-019B960494DF}">
-              <a14:hiddenLine xmlns="" xmlns:a14="http://schemas.microsoft.com/office/drawing/2010/main" w="12700">
+              <a14:hiddenLine xmlns:a14="http://schemas.microsoft.com/office/drawing/2010/main" xmlns="" w="12700">
                 <a:pattFill prst="narHorz">
                   <a:fgClr>
                     <a:schemeClr val="tx1"/>
@@ -3172,7 +3172,7 @@
               </a14:hiddenLine>
             </a:ext>
             <a:ext uri="{AF507438-7753-43e0-B8FC-AC1667EBCBE1}">
-              <a14:hiddenEffects xmlns="" xmlns:a14="http://schemas.microsoft.com/office/drawing/2010/main">
+              <a14:hiddenEffects xmlns:a14="http://schemas.microsoft.com/office/drawing/2010/main" xmlns="">
                 <a:effectLst>
                   <a:outerShdw dist="35921" dir="2700000" algn="ctr" rotWithShape="0">
                     <a:schemeClr val="bg2"/>
@@ -3238,12 +3238,12 @@
           <a:effectLst/>
           <a:extLst>
             <a:ext uri="{909E8E84-426E-40dd-AFC4-6F175D3DCCD1}">
-              <a14:hiddenFill xmlns="" xmlns:a14="http://schemas.microsoft.com/office/drawing/2010/main">
+              <a14:hiddenFill xmlns:a14="http://schemas.microsoft.com/office/drawing/2010/main" xmlns="">
                 <a:noFill/>
               </a14:hiddenFill>
             </a:ext>
             <a:ext uri="{AF507438-7753-43e0-B8FC-AC1667EBCBE1}">
-              <a14:hiddenEffects xmlns="" xmlns:a14="http://schemas.microsoft.com/office/drawing/2010/main">
+              <a14:hiddenEffects xmlns:a14="http://schemas.microsoft.com/office/drawing/2010/main" xmlns="">
                 <a:effectLst>
                   <a:outerShdw blurRad="63500" dist="38099" dir="2700000" algn="ctr" rotWithShape="0">
                     <a:schemeClr val="bg2">
@@ -7495,7 +7495,7 @@
           <a:effectLst/>
           <a:extLst>
             <a:ext uri="{AF507438-7753-43e0-B8FC-AC1667EBCBE1}">
-              <a14:hiddenEffects xmlns:a14="http://schemas.microsoft.com/office/drawing/2010/main" xmlns="">
+              <a14:hiddenEffects xmlns="" xmlns:a14="http://schemas.microsoft.com/office/drawing/2010/main">
                 <a:effectLst>
                   <a:outerShdw dist="35921" dir="2700000" algn="ctr" rotWithShape="0">
                     <a:schemeClr val="bg2"/>
@@ -7575,7 +7575,7 @@
           <a:effectLst/>
           <a:extLst>
             <a:ext uri="{AF507438-7753-43e0-B8FC-AC1667EBCBE1}">
-              <a14:hiddenEffects xmlns:a14="http://schemas.microsoft.com/office/drawing/2010/main" xmlns="">
+              <a14:hiddenEffects xmlns="" xmlns:a14="http://schemas.microsoft.com/office/drawing/2010/main">
                 <a:effectLst>
                   <a:outerShdw dist="35921" dir="2700000" algn="ctr" rotWithShape="0">
                     <a:schemeClr val="bg2"/>
@@ -7622,1032 +7622,6 @@
           </a:p>
         </p:txBody>
       </p:sp>
-      <p:sp>
-        <p:nvSpPr>
-          <p:cNvPr id="54" name="TextBox 53">
-            <a:extLst>
-              <a:ext uri="{FF2B5EF4-FFF2-40B4-BE49-F238E27FC236}">
-                <a16:creationId xmlns:a16="http://schemas.microsoft.com/office/drawing/2014/main" id="{FE681247-4E8C-A1AE-98DE-684123EF99D9}"/>
-              </a:ext>
-            </a:extLst>
-          </p:cNvPr>
-          <p:cNvSpPr txBox="1"/>
-          <p:nvPr/>
-        </p:nvSpPr>
-        <p:spPr>
-          <a:xfrm>
-            <a:off x="35888" y="4787747"/>
-            <a:ext cx="3714260" cy="707886"/>
-          </a:xfrm>
-          <a:prstGeom prst="rect">
-            <a:avLst/>
-          </a:prstGeom>
-          <a:noFill/>
-        </p:spPr>
-        <p:txBody>
-          <a:bodyPr wrap="square" rtlCol="0">
-            <a:spAutoFit/>
-          </a:bodyPr>
-          <a:lstStyle/>
-          <a:p>
-            <a:r>
-              <a:rPr lang="en-GB" altLang="zh-CN" sz="2000" b="0" dirty="0">
-                <a:solidFill>
-                  <a:schemeClr val="dk1"/>
-                </a:solidFill>
-                <a:latin typeface="Gill Sans" panose="020B0502020104020203"/>
-                <a:ea typeface="+mn-ea"/>
-                <a:cs typeface="+mn-cs"/>
-              </a:rPr>
-              <a:t>Safe sequence T3, T2, T1 or T2, T3, T1</a:t>
-            </a:r>
-            <a:endParaRPr lang="en-GB" sz="2000" b="0" dirty="0">
-              <a:solidFill>
-                <a:schemeClr val="dk1"/>
-              </a:solidFill>
-              <a:latin typeface="Gill Sans" panose="020B0502020104020203"/>
-              <a:ea typeface="+mn-ea"/>
-              <a:cs typeface="+mn-cs"/>
-            </a:endParaRPr>
-          </a:p>
-        </p:txBody>
-      </p:sp>
-      <p:graphicFrame>
-        <p:nvGraphicFramePr>
-          <p:cNvPr id="55" name="Content Placeholder 5">
-            <a:extLst>
-              <a:ext uri="{FF2B5EF4-FFF2-40B4-BE49-F238E27FC236}">
-                <a16:creationId xmlns:a16="http://schemas.microsoft.com/office/drawing/2014/main" id="{73F117D2-1BE8-78F8-B84F-421ED7A69130}"/>
-              </a:ext>
-            </a:extLst>
-          </p:cNvPr>
-          <p:cNvGraphicFramePr>
-            <a:graphicFrameLocks/>
-          </p:cNvGraphicFramePr>
-          <p:nvPr/>
-        </p:nvGraphicFramePr>
-        <p:xfrm>
-          <a:off x="6208995" y="4108529"/>
-          <a:ext cx="2654405" cy="1981200"/>
-        </p:xfrm>
-        <a:graphic>
-          <a:graphicData uri="http://schemas.openxmlformats.org/drawingml/2006/table">
-            <a:tbl>
-              <a:tblPr firstRow="1" bandRow="1">
-                <a:tableStyleId>{5C22544A-7EE6-4342-B048-85BDC9FD1C3A}</a:tableStyleId>
-              </a:tblPr>
-              <a:tblGrid>
-                <a:gridCol w="530881">
-                  <a:extLst>
-                    <a:ext uri="{9D8B030D-6E8A-4147-A177-3AD203B41FA5}">
-                      <a16:colId xmlns:a16="http://schemas.microsoft.com/office/drawing/2014/main" val="1619986141"/>
-                    </a:ext>
-                  </a:extLst>
-                </a:gridCol>
-                <a:gridCol w="530881">
-                  <a:extLst>
-                    <a:ext uri="{9D8B030D-6E8A-4147-A177-3AD203B41FA5}">
-                      <a16:colId xmlns:a16="http://schemas.microsoft.com/office/drawing/2014/main" val="3558990718"/>
-                    </a:ext>
-                  </a:extLst>
-                </a:gridCol>
-                <a:gridCol w="530881">
-                  <a:extLst>
-                    <a:ext uri="{9D8B030D-6E8A-4147-A177-3AD203B41FA5}">
-                      <a16:colId xmlns:a16="http://schemas.microsoft.com/office/drawing/2014/main" val="2817522056"/>
-                    </a:ext>
-                  </a:extLst>
-                </a:gridCol>
-                <a:gridCol w="530881">
-                  <a:extLst>
-                    <a:ext uri="{9D8B030D-6E8A-4147-A177-3AD203B41FA5}">
-                      <a16:colId xmlns:a16="http://schemas.microsoft.com/office/drawing/2014/main" val="27933147"/>
-                    </a:ext>
-                  </a:extLst>
-                </a:gridCol>
-                <a:gridCol w="530881">
-                  <a:extLst>
-                    <a:ext uri="{9D8B030D-6E8A-4147-A177-3AD203B41FA5}">
-                      <a16:colId xmlns:a16="http://schemas.microsoft.com/office/drawing/2014/main" val="2599289334"/>
-                    </a:ext>
-                  </a:extLst>
-                </a:gridCol>
-              </a:tblGrid>
-              <a:tr h="370840">
-                <a:tc>
-                  <a:txBody>
-                    <a:bodyPr/>
-                    <a:lstStyle/>
-                    <a:p>
-                      <a:pPr algn="ctr"/>
-                      <a:endParaRPr lang="en-SE" sz="2000"/>
-                    </a:p>
-                  </a:txBody>
-                  <a:tcPr/>
-                </a:tc>
-                <a:tc>
-                  <a:txBody>
-                    <a:bodyPr/>
-                    <a:lstStyle/>
-                    <a:p>
-                      <a:pPr algn="ctr"/>
-                      <a:r>
-                        <a:rPr lang="en-GB" sz="2000" dirty="0"/>
-                        <a:t>R1</a:t>
-                      </a:r>
-                      <a:endParaRPr lang="en-SE" sz="2000" dirty="0"/>
-                    </a:p>
-                  </a:txBody>
-                  <a:tcPr/>
-                </a:tc>
-                <a:tc>
-                  <a:txBody>
-                    <a:bodyPr/>
-                    <a:lstStyle/>
-                    <a:p>
-                      <a:pPr algn="ctr"/>
-                      <a:r>
-                        <a:rPr lang="en-GB" sz="2000" dirty="0"/>
-                        <a:t>R2</a:t>
-                      </a:r>
-                      <a:endParaRPr lang="en-SE" sz="2000" dirty="0"/>
-                    </a:p>
-                  </a:txBody>
-                  <a:tcPr/>
-                </a:tc>
-                <a:tc>
-                  <a:txBody>
-                    <a:bodyPr/>
-                    <a:lstStyle/>
-                    <a:p>
-                      <a:pPr algn="ctr"/>
-                      <a:r>
-                        <a:rPr lang="en-GB" sz="2000" dirty="0"/>
-                        <a:t>R3</a:t>
-                      </a:r>
-                      <a:endParaRPr lang="en-SE" sz="2000" dirty="0"/>
-                    </a:p>
-                  </a:txBody>
-                  <a:tcPr/>
-                </a:tc>
-                <a:tc>
-                  <a:txBody>
-                    <a:bodyPr/>
-                    <a:lstStyle/>
-                    <a:p>
-                      <a:pPr algn="ctr"/>
-                      <a:r>
-                        <a:rPr lang="en-GB" sz="2000" dirty="0"/>
-                        <a:t>R4</a:t>
-                      </a:r>
-                      <a:endParaRPr lang="en-SE" sz="2000" dirty="0"/>
-                    </a:p>
-                  </a:txBody>
-                  <a:tcPr/>
-                </a:tc>
-                <a:extLst>
-                  <a:ext uri="{0D108BD9-81ED-4DB2-BD59-A6C34878D82A}">
-                    <a16:rowId xmlns:a16="http://schemas.microsoft.com/office/drawing/2014/main" val="117063772"/>
-                  </a:ext>
-                </a:extLst>
-              </a:tr>
-              <a:tr h="370840">
-                <a:tc>
-                  <a:txBody>
-                    <a:bodyPr/>
-                    <a:lstStyle/>
-                    <a:p>
-                      <a:pPr algn="ctr"/>
-                      <a:endParaRPr lang="en-SE" sz="2000" dirty="0"/>
-                    </a:p>
-                  </a:txBody>
-                  <a:tcPr/>
-                </a:tc>
-                <a:tc>
-                  <a:txBody>
-                    <a:bodyPr/>
-                    <a:lstStyle/>
-                    <a:p>
-                      <a:pPr algn="ctr"/>
-                      <a:r>
-                        <a:rPr lang="en-GB" sz="2000" dirty="0"/>
-                        <a:t>0</a:t>
-                      </a:r>
-                      <a:endParaRPr lang="en-SE" sz="2000" dirty="0"/>
-                    </a:p>
-                  </a:txBody>
-                  <a:tcPr/>
-                </a:tc>
-                <a:tc>
-                  <a:txBody>
-                    <a:bodyPr/>
-                    <a:lstStyle/>
-                    <a:p>
-                      <a:pPr algn="ctr"/>
-                      <a:r>
-                        <a:rPr lang="en-GB" sz="2000" dirty="0"/>
-                        <a:t>0</a:t>
-                      </a:r>
-                      <a:endParaRPr lang="en-SE" sz="2000" dirty="0"/>
-                    </a:p>
-                  </a:txBody>
-                  <a:tcPr/>
-                </a:tc>
-                <a:tc>
-                  <a:txBody>
-                    <a:bodyPr/>
-                    <a:lstStyle/>
-                    <a:p>
-                      <a:pPr algn="ctr"/>
-                      <a:r>
-                        <a:rPr lang="en-GB" sz="2000" dirty="0"/>
-                        <a:t>0</a:t>
-                      </a:r>
-                      <a:endParaRPr lang="en-SE" sz="2000" dirty="0"/>
-                    </a:p>
-                  </a:txBody>
-                  <a:tcPr/>
-                </a:tc>
-                <a:tc>
-                  <a:txBody>
-                    <a:bodyPr/>
-                    <a:lstStyle/>
-                    <a:p>
-                      <a:pPr algn="ctr"/>
-                      <a:r>
-                        <a:rPr lang="en-GB" sz="2000" dirty="0"/>
-                        <a:t>3</a:t>
-                      </a:r>
-                      <a:endParaRPr lang="en-SE" sz="2000" dirty="0"/>
-                    </a:p>
-                  </a:txBody>
-                  <a:tcPr/>
-                </a:tc>
-                <a:extLst>
-                  <a:ext uri="{0D108BD9-81ED-4DB2-BD59-A6C34878D82A}">
-                    <a16:rowId xmlns:a16="http://schemas.microsoft.com/office/drawing/2014/main" val="2823243655"/>
-                  </a:ext>
-                </a:extLst>
-              </a:tr>
-              <a:tr h="370840">
-                <a:tc>
-                  <a:txBody>
-                    <a:bodyPr/>
-                    <a:lstStyle/>
-                    <a:p>
-                      <a:pPr algn="ctr"/>
-                      <a:r>
-                        <a:rPr lang="en-GB" sz="2000" dirty="0"/>
-                        <a:t>T3</a:t>
-                      </a:r>
-                      <a:endParaRPr lang="en-SE" sz="2000" dirty="0"/>
-                    </a:p>
-                  </a:txBody>
-                  <a:tcPr/>
-                </a:tc>
-                <a:tc>
-                  <a:txBody>
-                    <a:bodyPr/>
-                    <a:lstStyle/>
-                    <a:p>
-                      <a:pPr algn="ctr"/>
-                      <a:r>
-                        <a:rPr lang="en-GB" sz="2000" dirty="0"/>
-                        <a:t>0</a:t>
-                      </a:r>
-                      <a:endParaRPr lang="en-SE" sz="2000" dirty="0"/>
-                    </a:p>
-                  </a:txBody>
-                  <a:tcPr/>
-                </a:tc>
-                <a:tc>
-                  <a:txBody>
-                    <a:bodyPr/>
-                    <a:lstStyle/>
-                    <a:p>
-                      <a:pPr algn="ctr"/>
-                      <a:r>
-                        <a:rPr lang="en-GB" sz="2000" dirty="0"/>
-                        <a:t>1</a:t>
-                      </a:r>
-                      <a:endParaRPr lang="en-SE" sz="2000" dirty="0"/>
-                    </a:p>
-                  </a:txBody>
-                  <a:tcPr/>
-                </a:tc>
-                <a:tc>
-                  <a:txBody>
-                    <a:bodyPr/>
-                    <a:lstStyle/>
-                    <a:p>
-                      <a:pPr algn="ctr"/>
-                      <a:r>
-                        <a:rPr lang="en-GB" sz="2000" dirty="0"/>
-                        <a:t>0</a:t>
-                      </a:r>
-                      <a:endParaRPr lang="en-SE" sz="2000" dirty="0"/>
-                    </a:p>
-                  </a:txBody>
-                  <a:tcPr/>
-                </a:tc>
-                <a:tc>
-                  <a:txBody>
-                    <a:bodyPr/>
-                    <a:lstStyle/>
-                    <a:p>
-                      <a:pPr algn="ctr"/>
-                      <a:r>
-                        <a:rPr lang="en-GB" sz="2000" dirty="0"/>
-                        <a:t>3</a:t>
-                      </a:r>
-                      <a:endParaRPr lang="en-SE" sz="2000" dirty="0"/>
-                    </a:p>
-                  </a:txBody>
-                  <a:tcPr/>
-                </a:tc>
-                <a:extLst>
-                  <a:ext uri="{0D108BD9-81ED-4DB2-BD59-A6C34878D82A}">
-                    <a16:rowId xmlns:a16="http://schemas.microsoft.com/office/drawing/2014/main" val="1884641263"/>
-                  </a:ext>
-                </a:extLst>
-              </a:tr>
-              <a:tr h="370840">
-                <a:tc>
-                  <a:txBody>
-                    <a:bodyPr/>
-                    <a:lstStyle/>
-                    <a:p>
-                      <a:pPr algn="ctr"/>
-                      <a:r>
-                        <a:rPr lang="en-GB" sz="2000" dirty="0"/>
-                        <a:t>T2</a:t>
-                      </a:r>
-                      <a:endParaRPr lang="en-SE" sz="2000" dirty="0"/>
-                    </a:p>
-                  </a:txBody>
-                  <a:tcPr/>
-                </a:tc>
-                <a:tc>
-                  <a:txBody>
-                    <a:bodyPr/>
-                    <a:lstStyle/>
-                    <a:p>
-                      <a:pPr algn="ctr"/>
-                      <a:r>
-                        <a:rPr lang="en-GB" sz="2000" dirty="0"/>
-                        <a:t>1</a:t>
-                      </a:r>
-                      <a:endParaRPr lang="en-SE" sz="2000" dirty="0"/>
-                    </a:p>
-                  </a:txBody>
-                  <a:tcPr/>
-                </a:tc>
-                <a:tc>
-                  <a:txBody>
-                    <a:bodyPr/>
-                    <a:lstStyle/>
-                    <a:p>
-                      <a:pPr algn="ctr"/>
-                      <a:r>
-                        <a:rPr lang="en-GB" sz="2000" dirty="0"/>
-                        <a:t>1</a:t>
-                      </a:r>
-                      <a:endParaRPr lang="en-SE" sz="2000" dirty="0"/>
-                    </a:p>
-                  </a:txBody>
-                  <a:tcPr/>
-                </a:tc>
-                <a:tc>
-                  <a:txBody>
-                    <a:bodyPr/>
-                    <a:lstStyle/>
-                    <a:p>
-                      <a:pPr algn="ctr"/>
-                      <a:r>
-                        <a:rPr lang="en-GB" sz="2000" dirty="0"/>
-                        <a:t>1</a:t>
-                      </a:r>
-                      <a:endParaRPr lang="en-SE" sz="2000" dirty="0"/>
-                    </a:p>
-                  </a:txBody>
-                  <a:tcPr/>
-                </a:tc>
-                <a:tc>
-                  <a:txBody>
-                    <a:bodyPr/>
-                    <a:lstStyle/>
-                    <a:p>
-                      <a:pPr algn="ctr"/>
-                      <a:r>
-                        <a:rPr lang="en-GB" sz="2000" dirty="0"/>
-                        <a:t>3</a:t>
-                      </a:r>
-                      <a:endParaRPr lang="en-SE" sz="2000" dirty="0"/>
-                    </a:p>
-                  </a:txBody>
-                  <a:tcPr/>
-                </a:tc>
-                <a:extLst>
-                  <a:ext uri="{0D108BD9-81ED-4DB2-BD59-A6C34878D82A}">
-                    <a16:rowId xmlns:a16="http://schemas.microsoft.com/office/drawing/2014/main" val="3030728590"/>
-                  </a:ext>
-                </a:extLst>
-              </a:tr>
-              <a:tr h="370840">
-                <a:tc>
-                  <a:txBody>
-                    <a:bodyPr/>
-                    <a:lstStyle/>
-                    <a:p>
-                      <a:pPr algn="ctr"/>
-                      <a:r>
-                        <a:rPr lang="en-GB" sz="2000" dirty="0"/>
-                        <a:t>T1</a:t>
-                      </a:r>
-                      <a:endParaRPr lang="en-SE" sz="2000" dirty="0"/>
-                    </a:p>
-                  </a:txBody>
-                  <a:tcPr/>
-                </a:tc>
-                <a:tc>
-                  <a:txBody>
-                    <a:bodyPr/>
-                    <a:lstStyle/>
-                    <a:p>
-                      <a:pPr algn="ctr"/>
-                      <a:r>
-                        <a:rPr lang="en-GB" sz="2000" dirty="0"/>
-                        <a:t>1</a:t>
-                      </a:r>
-                      <a:endParaRPr lang="en-SE" sz="2000" dirty="0"/>
-                    </a:p>
-                  </a:txBody>
-                  <a:tcPr/>
-                </a:tc>
-                <a:tc>
-                  <a:txBody>
-                    <a:bodyPr/>
-                    <a:lstStyle/>
-                    <a:p>
-                      <a:pPr algn="ctr"/>
-                      <a:r>
-                        <a:rPr lang="en-GB" sz="2000" dirty="0"/>
-                        <a:t>1</a:t>
-                      </a:r>
-                      <a:endParaRPr lang="en-SE" sz="2000" dirty="0"/>
-                    </a:p>
-                  </a:txBody>
-                  <a:tcPr/>
-                </a:tc>
-                <a:tc>
-                  <a:txBody>
-                    <a:bodyPr/>
-                    <a:lstStyle/>
-                    <a:p>
-                      <a:pPr algn="ctr"/>
-                      <a:r>
-                        <a:rPr lang="en-GB" sz="2000" dirty="0"/>
-                        <a:t>2</a:t>
-                      </a:r>
-                      <a:endParaRPr lang="en-SE" sz="2000" dirty="0"/>
-                    </a:p>
-                  </a:txBody>
-                  <a:tcPr/>
-                </a:tc>
-                <a:tc>
-                  <a:txBody>
-                    <a:bodyPr/>
-                    <a:lstStyle/>
-                    <a:p>
-                      <a:pPr algn="ctr"/>
-                      <a:r>
-                        <a:rPr lang="en-GB" sz="2000" dirty="0"/>
-                        <a:t>3</a:t>
-                      </a:r>
-                      <a:endParaRPr lang="en-SE" sz="2000" dirty="0"/>
-                    </a:p>
-                  </a:txBody>
-                  <a:tcPr/>
-                </a:tc>
-                <a:extLst>
-                  <a:ext uri="{0D108BD9-81ED-4DB2-BD59-A6C34878D82A}">
-                    <a16:rowId xmlns:a16="http://schemas.microsoft.com/office/drawing/2014/main" val="3263484799"/>
-                  </a:ext>
-                </a:extLst>
-              </a:tr>
-            </a:tbl>
-          </a:graphicData>
-        </a:graphic>
-      </p:graphicFrame>
-      <p:sp>
-        <p:nvSpPr>
-          <p:cNvPr id="56" name="TextBox 55">
-            <a:extLst>
-              <a:ext uri="{FF2B5EF4-FFF2-40B4-BE49-F238E27FC236}">
-                <a16:creationId xmlns:a16="http://schemas.microsoft.com/office/drawing/2014/main" id="{52FCD3E0-9542-A211-E477-D3E64A274967}"/>
-              </a:ext>
-            </a:extLst>
-          </p:cNvPr>
-          <p:cNvSpPr txBox="1"/>
-          <p:nvPr/>
-        </p:nvSpPr>
-        <p:spPr>
-          <a:xfrm>
-            <a:off x="6010037" y="3395053"/>
-            <a:ext cx="3169960" cy="646331"/>
-          </a:xfrm>
-          <a:prstGeom prst="rect">
-            <a:avLst/>
-          </a:prstGeom>
-          <a:noFill/>
-        </p:spPr>
-        <p:txBody>
-          <a:bodyPr wrap="square" rtlCol="0">
-            <a:spAutoFit/>
-          </a:bodyPr>
-          <a:lstStyle/>
-          <a:p>
-            <a:r>
-              <a:rPr lang="en-GB" b="0" dirty="0">
-                <a:solidFill>
-                  <a:schemeClr val="dk1"/>
-                </a:solidFill>
-                <a:latin typeface="+mn-lt"/>
-                <a:ea typeface="+mn-ea"/>
-                <a:cs typeface="+mn-cs"/>
-              </a:rPr>
-              <a:t>Available resources after completion of each process</a:t>
-            </a:r>
-          </a:p>
-        </p:txBody>
-      </p:sp>
-      <p:graphicFrame>
-        <p:nvGraphicFramePr>
-          <p:cNvPr id="57" name="Content Placeholder 5">
-            <a:extLst>
-              <a:ext uri="{FF2B5EF4-FFF2-40B4-BE49-F238E27FC236}">
-                <a16:creationId xmlns:a16="http://schemas.microsoft.com/office/drawing/2014/main" id="{75100EDD-6D2E-65F9-15CD-6C0032739D77}"/>
-              </a:ext>
-            </a:extLst>
-          </p:cNvPr>
-          <p:cNvGraphicFramePr>
-            <a:graphicFrameLocks/>
-          </p:cNvGraphicFramePr>
-          <p:nvPr/>
-        </p:nvGraphicFramePr>
-        <p:xfrm>
-          <a:off x="3562836" y="4598268"/>
-          <a:ext cx="2654405" cy="1981200"/>
-        </p:xfrm>
-        <a:graphic>
-          <a:graphicData uri="http://schemas.openxmlformats.org/drawingml/2006/table">
-            <a:tbl>
-              <a:tblPr firstRow="1" bandRow="1">
-                <a:tableStyleId>{5C22544A-7EE6-4342-B048-85BDC9FD1C3A}</a:tableStyleId>
-              </a:tblPr>
-              <a:tblGrid>
-                <a:gridCol w="530881">
-                  <a:extLst>
-                    <a:ext uri="{9D8B030D-6E8A-4147-A177-3AD203B41FA5}">
-                      <a16:colId xmlns:a16="http://schemas.microsoft.com/office/drawing/2014/main" val="1619986141"/>
-                    </a:ext>
-                  </a:extLst>
-                </a:gridCol>
-                <a:gridCol w="530881">
-                  <a:extLst>
-                    <a:ext uri="{9D8B030D-6E8A-4147-A177-3AD203B41FA5}">
-                      <a16:colId xmlns:a16="http://schemas.microsoft.com/office/drawing/2014/main" val="3558990718"/>
-                    </a:ext>
-                  </a:extLst>
-                </a:gridCol>
-                <a:gridCol w="530881">
-                  <a:extLst>
-                    <a:ext uri="{9D8B030D-6E8A-4147-A177-3AD203B41FA5}">
-                      <a16:colId xmlns:a16="http://schemas.microsoft.com/office/drawing/2014/main" val="2817522056"/>
-                    </a:ext>
-                  </a:extLst>
-                </a:gridCol>
-                <a:gridCol w="530881">
-                  <a:extLst>
-                    <a:ext uri="{9D8B030D-6E8A-4147-A177-3AD203B41FA5}">
-                      <a16:colId xmlns:a16="http://schemas.microsoft.com/office/drawing/2014/main" val="27933147"/>
-                    </a:ext>
-                  </a:extLst>
-                </a:gridCol>
-                <a:gridCol w="530881">
-                  <a:extLst>
-                    <a:ext uri="{9D8B030D-6E8A-4147-A177-3AD203B41FA5}">
-                      <a16:colId xmlns:a16="http://schemas.microsoft.com/office/drawing/2014/main" val="2599289334"/>
-                    </a:ext>
-                  </a:extLst>
-                </a:gridCol>
-              </a:tblGrid>
-              <a:tr h="370840">
-                <a:tc>
-                  <a:txBody>
-                    <a:bodyPr/>
-                    <a:lstStyle/>
-                    <a:p>
-                      <a:pPr algn="ctr"/>
-                      <a:endParaRPr lang="en-SE" sz="2000"/>
-                    </a:p>
-                  </a:txBody>
-                  <a:tcPr/>
-                </a:tc>
-                <a:tc>
-                  <a:txBody>
-                    <a:bodyPr/>
-                    <a:lstStyle/>
-                    <a:p>
-                      <a:pPr algn="ctr"/>
-                      <a:r>
-                        <a:rPr lang="en-GB" sz="2000" dirty="0"/>
-                        <a:t>R1</a:t>
-                      </a:r>
-                      <a:endParaRPr lang="en-SE" sz="2000" dirty="0"/>
-                    </a:p>
-                  </a:txBody>
-                  <a:tcPr/>
-                </a:tc>
-                <a:tc>
-                  <a:txBody>
-                    <a:bodyPr/>
-                    <a:lstStyle/>
-                    <a:p>
-                      <a:pPr algn="ctr"/>
-                      <a:r>
-                        <a:rPr lang="en-GB" sz="2000" dirty="0"/>
-                        <a:t>R2</a:t>
-                      </a:r>
-                      <a:endParaRPr lang="en-SE" sz="2000" dirty="0"/>
-                    </a:p>
-                  </a:txBody>
-                  <a:tcPr/>
-                </a:tc>
-                <a:tc>
-                  <a:txBody>
-                    <a:bodyPr/>
-                    <a:lstStyle/>
-                    <a:p>
-                      <a:pPr algn="ctr"/>
-                      <a:r>
-                        <a:rPr lang="en-GB" sz="2000" dirty="0"/>
-                        <a:t>R3</a:t>
-                      </a:r>
-                      <a:endParaRPr lang="en-SE" sz="2000" dirty="0"/>
-                    </a:p>
-                  </a:txBody>
-                  <a:tcPr/>
-                </a:tc>
-                <a:tc>
-                  <a:txBody>
-                    <a:bodyPr/>
-                    <a:lstStyle/>
-                    <a:p>
-                      <a:pPr algn="ctr"/>
-                      <a:r>
-                        <a:rPr lang="en-GB" sz="2000" dirty="0"/>
-                        <a:t>R4</a:t>
-                      </a:r>
-                      <a:endParaRPr lang="en-SE" sz="2000" dirty="0"/>
-                    </a:p>
-                  </a:txBody>
-                  <a:tcPr/>
-                </a:tc>
-                <a:extLst>
-                  <a:ext uri="{0D108BD9-81ED-4DB2-BD59-A6C34878D82A}">
-                    <a16:rowId xmlns:a16="http://schemas.microsoft.com/office/drawing/2014/main" val="117063772"/>
-                  </a:ext>
-                </a:extLst>
-              </a:tr>
-              <a:tr h="370840">
-                <a:tc>
-                  <a:txBody>
-                    <a:bodyPr/>
-                    <a:lstStyle/>
-                    <a:p>
-                      <a:pPr algn="ctr"/>
-                      <a:endParaRPr lang="en-SE" sz="2000" dirty="0"/>
-                    </a:p>
-                  </a:txBody>
-                  <a:tcPr/>
-                </a:tc>
-                <a:tc>
-                  <a:txBody>
-                    <a:bodyPr/>
-                    <a:lstStyle/>
-                    <a:p>
-                      <a:pPr algn="ctr"/>
-                      <a:r>
-                        <a:rPr lang="en-GB" sz="2000" dirty="0"/>
-                        <a:t>0</a:t>
-                      </a:r>
-                      <a:endParaRPr lang="en-SE" sz="2000" dirty="0"/>
-                    </a:p>
-                  </a:txBody>
-                  <a:tcPr/>
-                </a:tc>
-                <a:tc>
-                  <a:txBody>
-                    <a:bodyPr/>
-                    <a:lstStyle/>
-                    <a:p>
-                      <a:pPr algn="ctr"/>
-                      <a:r>
-                        <a:rPr lang="en-GB" sz="2000" dirty="0"/>
-                        <a:t>0</a:t>
-                      </a:r>
-                      <a:endParaRPr lang="en-SE" sz="2000" dirty="0"/>
-                    </a:p>
-                  </a:txBody>
-                  <a:tcPr/>
-                </a:tc>
-                <a:tc>
-                  <a:txBody>
-                    <a:bodyPr/>
-                    <a:lstStyle/>
-                    <a:p>
-                      <a:pPr algn="ctr"/>
-                      <a:r>
-                        <a:rPr lang="en-GB" sz="2000" dirty="0"/>
-                        <a:t>0</a:t>
-                      </a:r>
-                      <a:endParaRPr lang="en-SE" sz="2000" dirty="0"/>
-                    </a:p>
-                  </a:txBody>
-                  <a:tcPr/>
-                </a:tc>
-                <a:tc>
-                  <a:txBody>
-                    <a:bodyPr/>
-                    <a:lstStyle/>
-                    <a:p>
-                      <a:pPr algn="ctr"/>
-                      <a:r>
-                        <a:rPr lang="en-GB" sz="2000" dirty="0"/>
-                        <a:t>3</a:t>
-                      </a:r>
-                      <a:endParaRPr lang="en-SE" sz="2000" dirty="0"/>
-                    </a:p>
-                  </a:txBody>
-                  <a:tcPr/>
-                </a:tc>
-                <a:extLst>
-                  <a:ext uri="{0D108BD9-81ED-4DB2-BD59-A6C34878D82A}">
-                    <a16:rowId xmlns:a16="http://schemas.microsoft.com/office/drawing/2014/main" val="2823243655"/>
-                  </a:ext>
-                </a:extLst>
-              </a:tr>
-              <a:tr h="370840">
-                <a:tc>
-                  <a:txBody>
-                    <a:bodyPr/>
-                    <a:lstStyle/>
-                    <a:p>
-                      <a:pPr algn="ctr"/>
-                      <a:r>
-                        <a:rPr lang="en-GB" sz="2000" dirty="0"/>
-                        <a:t>T2</a:t>
-                      </a:r>
-                      <a:endParaRPr lang="en-SE" sz="2000" dirty="0"/>
-                    </a:p>
-                  </a:txBody>
-                  <a:tcPr/>
-                </a:tc>
-                <a:tc>
-                  <a:txBody>
-                    <a:bodyPr/>
-                    <a:lstStyle/>
-                    <a:p>
-                      <a:pPr algn="ctr"/>
-                      <a:r>
-                        <a:rPr lang="en-GB" sz="2000" dirty="0"/>
-                        <a:t>1</a:t>
-                      </a:r>
-                      <a:endParaRPr lang="en-SE" sz="2000" dirty="0"/>
-                    </a:p>
-                  </a:txBody>
-                  <a:tcPr/>
-                </a:tc>
-                <a:tc>
-                  <a:txBody>
-                    <a:bodyPr/>
-                    <a:lstStyle/>
-                    <a:p>
-                      <a:pPr algn="ctr"/>
-                      <a:r>
-                        <a:rPr lang="en-GB" sz="2000" dirty="0"/>
-                        <a:t>0</a:t>
-                      </a:r>
-                      <a:endParaRPr lang="en-SE" sz="2000" dirty="0"/>
-                    </a:p>
-                  </a:txBody>
-                  <a:tcPr/>
-                </a:tc>
-                <a:tc>
-                  <a:txBody>
-                    <a:bodyPr/>
-                    <a:lstStyle/>
-                    <a:p>
-                      <a:pPr algn="ctr"/>
-                      <a:r>
-                        <a:rPr lang="en-GB" sz="2000" dirty="0"/>
-                        <a:t>1</a:t>
-                      </a:r>
-                      <a:endParaRPr lang="en-SE" sz="2000" dirty="0"/>
-                    </a:p>
-                  </a:txBody>
-                  <a:tcPr/>
-                </a:tc>
-                <a:tc>
-                  <a:txBody>
-                    <a:bodyPr/>
-                    <a:lstStyle/>
-                    <a:p>
-                      <a:pPr algn="ctr"/>
-                      <a:r>
-                        <a:rPr lang="en-GB" sz="2000" dirty="0"/>
-                        <a:t>3</a:t>
-                      </a:r>
-                      <a:endParaRPr lang="en-SE" sz="2000" dirty="0"/>
-                    </a:p>
-                  </a:txBody>
-                  <a:tcPr/>
-                </a:tc>
-                <a:extLst>
-                  <a:ext uri="{0D108BD9-81ED-4DB2-BD59-A6C34878D82A}">
-                    <a16:rowId xmlns:a16="http://schemas.microsoft.com/office/drawing/2014/main" val="1884641263"/>
-                  </a:ext>
-                </a:extLst>
-              </a:tr>
-              <a:tr h="370840">
-                <a:tc>
-                  <a:txBody>
-                    <a:bodyPr/>
-                    <a:lstStyle/>
-                    <a:p>
-                      <a:pPr algn="ctr"/>
-                      <a:r>
-                        <a:rPr lang="en-GB" sz="2000" dirty="0"/>
-                        <a:t>T3</a:t>
-                      </a:r>
-                      <a:endParaRPr lang="en-SE" sz="2000" dirty="0"/>
-                    </a:p>
-                  </a:txBody>
-                  <a:tcPr/>
-                </a:tc>
-                <a:tc>
-                  <a:txBody>
-                    <a:bodyPr/>
-                    <a:lstStyle/>
-                    <a:p>
-                      <a:pPr algn="ctr"/>
-                      <a:r>
-                        <a:rPr lang="en-GB" sz="2000" dirty="0"/>
-                        <a:t>1</a:t>
-                      </a:r>
-                      <a:endParaRPr lang="en-SE" sz="2000" dirty="0"/>
-                    </a:p>
-                  </a:txBody>
-                  <a:tcPr/>
-                </a:tc>
-                <a:tc>
-                  <a:txBody>
-                    <a:bodyPr/>
-                    <a:lstStyle/>
-                    <a:p>
-                      <a:pPr algn="ctr"/>
-                      <a:r>
-                        <a:rPr lang="en-GB" sz="2000" dirty="0"/>
-                        <a:t>1</a:t>
-                      </a:r>
-                      <a:endParaRPr lang="en-SE" sz="2000" dirty="0"/>
-                    </a:p>
-                  </a:txBody>
-                  <a:tcPr/>
-                </a:tc>
-                <a:tc>
-                  <a:txBody>
-                    <a:bodyPr/>
-                    <a:lstStyle/>
-                    <a:p>
-                      <a:pPr algn="ctr"/>
-                      <a:r>
-                        <a:rPr lang="en-GB" sz="2000" dirty="0"/>
-                        <a:t>1</a:t>
-                      </a:r>
-                      <a:endParaRPr lang="en-SE" sz="2000" dirty="0"/>
-                    </a:p>
-                  </a:txBody>
-                  <a:tcPr/>
-                </a:tc>
-                <a:tc>
-                  <a:txBody>
-                    <a:bodyPr/>
-                    <a:lstStyle/>
-                    <a:p>
-                      <a:pPr algn="ctr"/>
-                      <a:r>
-                        <a:rPr lang="en-GB" sz="2000" dirty="0"/>
-                        <a:t>3</a:t>
-                      </a:r>
-                      <a:endParaRPr lang="en-SE" sz="2000" dirty="0"/>
-                    </a:p>
-                  </a:txBody>
-                  <a:tcPr/>
-                </a:tc>
-                <a:extLst>
-                  <a:ext uri="{0D108BD9-81ED-4DB2-BD59-A6C34878D82A}">
-                    <a16:rowId xmlns:a16="http://schemas.microsoft.com/office/drawing/2014/main" val="3030728590"/>
-                  </a:ext>
-                </a:extLst>
-              </a:tr>
-              <a:tr h="370840">
-                <a:tc>
-                  <a:txBody>
-                    <a:bodyPr/>
-                    <a:lstStyle/>
-                    <a:p>
-                      <a:pPr algn="ctr"/>
-                      <a:r>
-                        <a:rPr lang="en-GB" sz="2000" dirty="0"/>
-                        <a:t>T1</a:t>
-                      </a:r>
-                      <a:endParaRPr lang="en-SE" sz="2000" dirty="0"/>
-                    </a:p>
-                  </a:txBody>
-                  <a:tcPr/>
-                </a:tc>
-                <a:tc>
-                  <a:txBody>
-                    <a:bodyPr/>
-                    <a:lstStyle/>
-                    <a:p>
-                      <a:pPr algn="ctr"/>
-                      <a:r>
-                        <a:rPr lang="en-GB" sz="2000" dirty="0"/>
-                        <a:t>1</a:t>
-                      </a:r>
-                      <a:endParaRPr lang="en-SE" sz="2000" dirty="0"/>
-                    </a:p>
-                  </a:txBody>
-                  <a:tcPr/>
-                </a:tc>
-                <a:tc>
-                  <a:txBody>
-                    <a:bodyPr/>
-                    <a:lstStyle/>
-                    <a:p>
-                      <a:pPr algn="ctr"/>
-                      <a:r>
-                        <a:rPr lang="en-GB" sz="2000" dirty="0"/>
-                        <a:t>1</a:t>
-                      </a:r>
-                      <a:endParaRPr lang="en-SE" sz="2000" dirty="0"/>
-                    </a:p>
-                  </a:txBody>
-                  <a:tcPr/>
-                </a:tc>
-                <a:tc>
-                  <a:txBody>
-                    <a:bodyPr/>
-                    <a:lstStyle/>
-                    <a:p>
-                      <a:pPr algn="ctr"/>
-                      <a:r>
-                        <a:rPr lang="en-GB" sz="2000" dirty="0"/>
-                        <a:t>2</a:t>
-                      </a:r>
-                      <a:endParaRPr lang="en-SE" sz="2000" dirty="0"/>
-                    </a:p>
-                  </a:txBody>
-                  <a:tcPr/>
-                </a:tc>
-                <a:tc>
-                  <a:txBody>
-                    <a:bodyPr/>
-                    <a:lstStyle/>
-                    <a:p>
-                      <a:pPr algn="ctr"/>
-                      <a:r>
-                        <a:rPr lang="en-GB" sz="2000" dirty="0"/>
-                        <a:t>3</a:t>
-                      </a:r>
-                      <a:endParaRPr lang="en-SE" sz="2000" dirty="0"/>
-                    </a:p>
-                  </a:txBody>
-                  <a:tcPr/>
-                </a:tc>
-                <a:extLst>
-                  <a:ext uri="{0D108BD9-81ED-4DB2-BD59-A6C34878D82A}">
-                    <a16:rowId xmlns:a16="http://schemas.microsoft.com/office/drawing/2014/main" val="3263484799"/>
-                  </a:ext>
-                </a:extLst>
-              </a:tr>
-            </a:tbl>
-          </a:graphicData>
-        </a:graphic>
-      </p:graphicFrame>
     </p:spTree>
     <p:extLst>
       <p:ext uri="{BB962C8B-B14F-4D97-AF65-F5344CB8AC3E}">
@@ -15441,17 +14415,17 @@
           <a:effectLst/>
           <a:extLst>
             <a:ext uri="{FAA26D3D-D897-4be2-8F04-BA451C77F1D7}">
-              <ma14:placeholderFlag xmlns="" xmlns:ma14="http://schemas.microsoft.com/office/mac/drawingml/2011/main" val="1"/>
+              <ma14:placeholderFlag xmlns:ma14="http://schemas.microsoft.com/office/mac/drawingml/2011/main" xmlns="" val="1"/>
             </a:ext>
             <a:ext uri="{909E8E84-426E-40dd-AFC4-6F175D3DCCD1}">
-              <a14:hiddenFill xmlns="" xmlns:a14="http://schemas.microsoft.com/office/drawing/2010/main">
+              <a14:hiddenFill xmlns:a14="http://schemas.microsoft.com/office/drawing/2010/main" xmlns="">
                 <a:solidFill>
                   <a:schemeClr val="bg1"/>
                 </a:solidFill>
               </a14:hiddenFill>
             </a:ext>
             <a:ext uri="{91240B29-F687-4f45-9708-019B960494DF}">
-              <a14:hiddenLine xmlns="" xmlns:a14="http://schemas.microsoft.com/office/drawing/2010/main" w="12700">
+              <a14:hiddenLine xmlns:a14="http://schemas.microsoft.com/office/drawing/2010/main" xmlns="" w="12700">
                 <a:pattFill prst="narHorz">
                   <a:fgClr>
                     <a:schemeClr val="tx1"/>
@@ -15466,7 +14440,7 @@
               </a14:hiddenLine>
             </a:ext>
             <a:ext uri="{AF507438-7753-43e0-B8FC-AC1667EBCBE1}">
-              <a14:hiddenEffects xmlns="" xmlns:a14="http://schemas.microsoft.com/office/drawing/2010/main">
+              <a14:hiddenEffects xmlns:a14="http://schemas.microsoft.com/office/drawing/2010/main" xmlns="">
                 <a:effectLst>
                   <a:outerShdw blurRad="63500" dist="38099" dir="2700000" algn="ctr" rotWithShape="0">
                     <a:schemeClr val="bg2">
@@ -15714,7 +14688,7 @@
           </a:ln>
           <a:extLst>
             <a:ext uri="{AF507438-7753-43e0-B8FC-AC1667EBCBE1}">
-              <a14:hiddenEffects xmlns:a14="http://schemas.microsoft.com/office/drawing/2010/main" xmlns="">
+              <a14:hiddenEffects xmlns="" xmlns:a14="http://schemas.microsoft.com/office/drawing/2010/main">
                 <a:effectLst>
                   <a:outerShdw dist="35921" dir="2700000" algn="ctr" rotWithShape="0">
                     <a:schemeClr val="bg2"/>
@@ -15822,7 +14796,7 @@
           </a:ln>
           <a:extLst>
             <a:ext uri="{AF507438-7753-43e0-B8FC-AC1667EBCBE1}">
-              <a14:hiddenEffects xmlns:a14="http://schemas.microsoft.com/office/drawing/2010/main" xmlns="">
+              <a14:hiddenEffects xmlns="" xmlns:a14="http://schemas.microsoft.com/office/drawing/2010/main">
                 <a:effectLst>
                   <a:outerShdw dist="35921" dir="2700000" algn="ctr" rotWithShape="0">
                     <a:schemeClr val="bg2"/>
@@ -17442,17 +16416,17 @@
           <a:effectLst/>
           <a:extLst>
             <a:ext uri="{FAA26D3D-D897-4be2-8F04-BA451C77F1D7}">
-              <ma14:placeholderFlag xmlns="" xmlns:ma14="http://schemas.microsoft.com/office/mac/drawingml/2011/main" val="1"/>
+              <ma14:placeholderFlag xmlns:ma14="http://schemas.microsoft.com/office/mac/drawingml/2011/main" xmlns="" val="1"/>
             </a:ext>
             <a:ext uri="{909E8E84-426E-40dd-AFC4-6F175D3DCCD1}">
-              <a14:hiddenFill xmlns="" xmlns:a14="http://schemas.microsoft.com/office/drawing/2010/main">
+              <a14:hiddenFill xmlns:a14="http://schemas.microsoft.com/office/drawing/2010/main" xmlns="">
                 <a:solidFill>
                   <a:schemeClr val="bg1"/>
                 </a:solidFill>
               </a14:hiddenFill>
             </a:ext>
             <a:ext uri="{91240B29-F687-4f45-9708-019B960494DF}">
-              <a14:hiddenLine xmlns="" xmlns:a14="http://schemas.microsoft.com/office/drawing/2010/main" w="12700">
+              <a14:hiddenLine xmlns:a14="http://schemas.microsoft.com/office/drawing/2010/main" xmlns="" w="12700">
                 <a:pattFill prst="narHorz">
                   <a:fgClr>
                     <a:schemeClr val="tx1"/>
@@ -17467,7 +16441,7 @@
               </a14:hiddenLine>
             </a:ext>
             <a:ext uri="{AF507438-7753-43e0-B8FC-AC1667EBCBE1}">
-              <a14:hiddenEffects xmlns="" xmlns:a14="http://schemas.microsoft.com/office/drawing/2010/main">
+              <a14:hiddenEffects xmlns:a14="http://schemas.microsoft.com/office/drawing/2010/main" xmlns="">
                 <a:effectLst>
                   <a:outerShdw blurRad="63500" dist="38099" dir="2700000" algn="ctr" rotWithShape="0">
                     <a:schemeClr val="bg2">
@@ -17715,7 +16689,7 @@
           </a:ln>
           <a:extLst>
             <a:ext uri="{AF507438-7753-43e0-B8FC-AC1667EBCBE1}">
-              <a14:hiddenEffects xmlns:a14="http://schemas.microsoft.com/office/drawing/2010/main" xmlns="">
+              <a14:hiddenEffects xmlns="" xmlns:a14="http://schemas.microsoft.com/office/drawing/2010/main">
                 <a:effectLst>
                   <a:outerShdw dist="35921" dir="2700000" algn="ctr" rotWithShape="0">
                     <a:schemeClr val="bg2"/>
@@ -17823,7 +16797,7 @@
           </a:ln>
           <a:extLst>
             <a:ext uri="{AF507438-7753-43e0-B8FC-AC1667EBCBE1}">
-              <a14:hiddenEffects xmlns:a14="http://schemas.microsoft.com/office/drawing/2010/main" xmlns="">
+              <a14:hiddenEffects xmlns="" xmlns:a14="http://schemas.microsoft.com/office/drawing/2010/main">
                 <a:effectLst>
                   <a:outerShdw dist="35921" dir="2700000" algn="ctr" rotWithShape="0">
                     <a:schemeClr val="bg2"/>
@@ -22066,17 +21040,17 @@
           <a:effectLst/>
           <a:extLst>
             <a:ext uri="{FAA26D3D-D897-4be2-8F04-BA451C77F1D7}">
-              <ma14:placeholderFlag xmlns="" xmlns:ma14="http://schemas.microsoft.com/office/mac/drawingml/2011/main" val="1"/>
+              <ma14:placeholderFlag xmlns:ma14="http://schemas.microsoft.com/office/mac/drawingml/2011/main" xmlns="" val="1"/>
             </a:ext>
             <a:ext uri="{909E8E84-426E-40dd-AFC4-6F175D3DCCD1}">
-              <a14:hiddenFill xmlns="" xmlns:a14="http://schemas.microsoft.com/office/drawing/2010/main">
+              <a14:hiddenFill xmlns:a14="http://schemas.microsoft.com/office/drawing/2010/main" xmlns="">
                 <a:solidFill>
                   <a:schemeClr val="bg1"/>
                 </a:solidFill>
               </a14:hiddenFill>
             </a:ext>
             <a:ext uri="{91240B29-F687-4f45-9708-019B960494DF}">
-              <a14:hiddenLine xmlns="" xmlns:a14="http://schemas.microsoft.com/office/drawing/2010/main" w="12700">
+              <a14:hiddenLine xmlns:a14="http://schemas.microsoft.com/office/drawing/2010/main" xmlns="" w="12700">
                 <a:pattFill prst="narHorz">
                   <a:fgClr>
                     <a:schemeClr val="tx1"/>
@@ -22091,7 +21065,7 @@
               </a14:hiddenLine>
             </a:ext>
             <a:ext uri="{AF507438-7753-43e0-B8FC-AC1667EBCBE1}">
-              <a14:hiddenEffects xmlns="" xmlns:a14="http://schemas.microsoft.com/office/drawing/2010/main">
+              <a14:hiddenEffects xmlns:a14="http://schemas.microsoft.com/office/drawing/2010/main" xmlns="">
                 <a:effectLst>
                   <a:outerShdw blurRad="63500" dist="38099" dir="2700000" algn="ctr" rotWithShape="0">
                     <a:schemeClr val="bg2">
@@ -22339,7 +21313,7 @@
           </a:ln>
           <a:extLst>
             <a:ext uri="{AF507438-7753-43e0-B8FC-AC1667EBCBE1}">
-              <a14:hiddenEffects xmlns:a14="http://schemas.microsoft.com/office/drawing/2010/main" xmlns="">
+              <a14:hiddenEffects xmlns="" xmlns:a14="http://schemas.microsoft.com/office/drawing/2010/main">
                 <a:effectLst>
                   <a:outerShdw dist="35921" dir="2700000" algn="ctr" rotWithShape="0">
                     <a:schemeClr val="bg2"/>
@@ -22447,7 +21421,7 @@
           </a:ln>
           <a:extLst>
             <a:ext uri="{AF507438-7753-43e0-B8FC-AC1667EBCBE1}">
-              <a14:hiddenEffects xmlns:a14="http://schemas.microsoft.com/office/drawing/2010/main" xmlns="">
+              <a14:hiddenEffects xmlns="" xmlns:a14="http://schemas.microsoft.com/office/drawing/2010/main">
                 <a:effectLst>
                   <a:outerShdw dist="35921" dir="2700000" algn="ctr" rotWithShape="0">
                     <a:schemeClr val="bg2"/>
@@ -24068,7 +23042,7 @@
         <a:effectLst/>
         <a:extLst>
           <a:ext uri="{AF507438-7753-43e0-B8FC-AC1667EBCBE1}">
-            <a14:hiddenEffects xmlns="" xmlns:a14="http://schemas.microsoft.com/office/drawing/2010/main">
+            <a14:hiddenEffects xmlns:a14="http://schemas.microsoft.com/office/drawing/2010/main" xmlns="">
               <a:effectLst>
                 <a:outerShdw dist="35921" dir="2700000" algn="ctr" rotWithShape="0">
                   <a:schemeClr val="bg2"/>
@@ -24141,7 +23115,7 @@
         <a:effectLst/>
         <a:extLst>
           <a:ext uri="{AF507438-7753-43e0-B8FC-AC1667EBCBE1}">
-            <a14:hiddenEffects xmlns="" xmlns:a14="http://schemas.microsoft.com/office/drawing/2010/main">
+            <a14:hiddenEffects xmlns:a14="http://schemas.microsoft.com/office/drawing/2010/main" xmlns="">
               <a:effectLst>
                 <a:outerShdw dist="35921" dir="2700000" algn="ctr" rotWithShape="0">
                   <a:schemeClr val="bg2"/>
